--- a/images/ch3_TestSelection.pptx
+++ b/images/ch3_TestSelection.pptx
@@ -2930,7 +2930,7 @@
         <p:spPr>
           <a:xfrm>
             <a:off x="1725068" y="2642292"/>
-            <a:ext cx="1194255" cy="523220"/>
+            <a:ext cx="1194255" cy="460375"/>
           </a:xfrm>
           <a:prstGeom prst="rect">
             <a:avLst/>
@@ -2945,14 +2945,14 @@
           <a:p>
             <a:pPr algn="ctr"/>
             <a:r>
-              <a:rPr lang="zh-CN" altLang="en-US" sz="1400" dirty="0">
+              <a:rPr lang="zh-CN" altLang="en-US" sz="1200" dirty="0">
                 <a:latin typeface="宋体" panose="02010600030101010101" pitchFamily="2" charset="-122"/>
                 <a:ea typeface="宋体" panose="02010600030101010101" pitchFamily="2" charset="-122"/>
                 <a:cs typeface="宋体" panose="02010600030101010101" pitchFamily="2" charset="-122"/>
               </a:rPr>
               <a:t>大规模无标注测试数据</a:t>
             </a:r>
-            <a:endParaRPr lang="zh-CN" altLang="en-US" sz="1400" dirty="0">
+            <a:endParaRPr lang="zh-CN" altLang="en-US" sz="1200" dirty="0">
               <a:latin typeface="宋体" panose="02010600030101010101" pitchFamily="2" charset="-122"/>
               <a:ea typeface="宋体" panose="02010600030101010101" pitchFamily="2" charset="-122"/>
               <a:cs typeface="宋体" panose="02010600030101010101" pitchFamily="2" charset="-122"/>
@@ -2968,8 +2968,8 @@
         </p:nvSpPr>
         <p:spPr>
           <a:xfrm>
-            <a:off x="2945130" y="2642292"/>
-            <a:ext cx="894080" cy="306705"/>
+            <a:off x="2995930" y="2642292"/>
+            <a:ext cx="792480" cy="275590"/>
           </a:xfrm>
           <a:prstGeom prst="rect">
             <a:avLst/>
@@ -2984,14 +2984,14 @@
           <a:p>
             <a:pPr algn="ctr"/>
             <a:r>
-              <a:rPr lang="zh-CN" altLang="en-US" sz="1400" dirty="0">
+              <a:rPr lang="zh-CN" altLang="en-US" sz="1200" dirty="0">
                 <a:latin typeface="宋体" panose="02010600030101010101" pitchFamily="2" charset="-122"/>
                 <a:ea typeface="宋体" panose="02010600030101010101" pitchFamily="2" charset="-122"/>
                 <a:sym typeface="+mn-ea"/>
               </a:rPr>
               <a:t>决策路径</a:t>
             </a:r>
-            <a:endParaRPr lang="zh-CN" altLang="en-US" sz="1400" dirty="0">
+            <a:endParaRPr lang="zh-CN" altLang="en-US" sz="1200" dirty="0">
               <a:latin typeface="宋体" panose="02010600030101010101" pitchFamily="2" charset="-122"/>
               <a:ea typeface="宋体" panose="02010600030101010101" pitchFamily="2" charset="-122"/>
               <a:sym typeface="+mn-ea"/>
@@ -3961,7 +3961,7 @@
         <p:spPr>
           <a:xfrm>
             <a:off x="3923232" y="2642292"/>
-            <a:ext cx="1806806" cy="306705"/>
+            <a:ext cx="1806806" cy="275590"/>
           </a:xfrm>
           <a:prstGeom prst="rect">
             <a:avLst/>
@@ -3976,13 +3976,13 @@
           <a:p>
             <a:pPr algn="ctr"/>
             <a:r>
-              <a:rPr lang="zh-CN" altLang="en-US" sz="1400" dirty="0">
+              <a:rPr lang="zh-CN" altLang="en-US" sz="1200" dirty="0">
                 <a:latin typeface="宋体" panose="02010600030101010101" pitchFamily="2" charset="-122"/>
                 <a:ea typeface="宋体" panose="02010600030101010101" pitchFamily="2" charset="-122"/>
               </a:rPr>
               <a:t>代表性数据选取</a:t>
             </a:r>
-            <a:endParaRPr lang="zh-CN" altLang="en-US" sz="1400" dirty="0">
+            <a:endParaRPr lang="zh-CN" altLang="en-US" sz="1200" dirty="0">
               <a:latin typeface="宋体" panose="02010600030101010101" pitchFamily="2" charset="-122"/>
               <a:ea typeface="宋体" panose="02010600030101010101" pitchFamily="2" charset="-122"/>
             </a:endParaRPr>
@@ -4084,8 +4084,8 @@
         </p:nvCxnSpPr>
         <p:spPr>
           <a:xfrm rot="5400000">
-            <a:off x="6177915" y="3927475"/>
-            <a:ext cx="262255" cy="1692275"/>
+            <a:off x="6144260" y="3877310"/>
+            <a:ext cx="245745" cy="1776095"/>
           </a:xfrm>
           <a:prstGeom prst="bentConnector2">
             <a:avLst/>
@@ -4497,8 +4497,8 @@
         </p:nvSpPr>
         <p:spPr>
           <a:xfrm>
-            <a:off x="4190353" y="4750176"/>
-            <a:ext cx="1272565" cy="307777"/>
+            <a:off x="4274185" y="4750435"/>
+            <a:ext cx="1104900" cy="275590"/>
           </a:xfrm>
           <a:prstGeom prst="rect">
             <a:avLst/>
@@ -4513,13 +4513,13 @@
           <a:p>
             <a:pPr algn="ctr"/>
             <a:r>
-              <a:rPr lang="zh-CN" altLang="en-US" sz="1400" dirty="0">
+              <a:rPr lang="zh-CN" altLang="en-US" sz="1200" dirty="0">
                 <a:latin typeface="宋体" panose="02010600030101010101" pitchFamily="2" charset="-122"/>
                 <a:ea typeface="宋体" panose="02010600030101010101" pitchFamily="2" charset="-122"/>
               </a:rPr>
               <a:t>边界数据选取</a:t>
             </a:r>
-            <a:endParaRPr lang="zh-CN" altLang="en-US" sz="1400" dirty="0">
+            <a:endParaRPr lang="zh-CN" altLang="en-US" sz="1200" dirty="0">
               <a:latin typeface="宋体" panose="02010600030101010101" pitchFamily="2" charset="-122"/>
               <a:ea typeface="宋体" panose="02010600030101010101" pitchFamily="2" charset="-122"/>
             </a:endParaRPr>
@@ -6943,7 +6943,7 @@
         <p:spPr>
           <a:xfrm>
             <a:off x="5909512" y="2642292"/>
-            <a:ext cx="1806806" cy="306705"/>
+            <a:ext cx="1806806" cy="275590"/>
           </a:xfrm>
           <a:prstGeom prst="rect">
             <a:avLst/>
@@ -6957,13 +6957,13 @@
           <a:p>
             <a:pPr algn="ctr"/>
             <a:r>
-              <a:rPr lang="zh-CN" altLang="en-US" sz="1400" dirty="0">
+              <a:rPr lang="zh-CN" altLang="en-US" sz="1200" dirty="0">
                 <a:latin typeface="宋体" panose="02010600030101010101" pitchFamily="2" charset="-122"/>
                 <a:ea typeface="宋体" panose="02010600030101010101" pitchFamily="2" charset="-122"/>
               </a:rPr>
               <a:t>测试集生成</a:t>
             </a:r>
-            <a:endParaRPr lang="zh-CN" altLang="en-US" sz="1400" dirty="0">
+            <a:endParaRPr lang="zh-CN" altLang="en-US" sz="1200" dirty="0">
               <a:latin typeface="宋体" panose="02010600030101010101" pitchFamily="2" charset="-122"/>
               <a:ea typeface="宋体" panose="02010600030101010101" pitchFamily="2" charset="-122"/>
             </a:endParaRPr>
